--- a/powerpoint.pptx
+++ b/powerpoint.pptx
@@ -8,15 +8,16 @@
     <p:sldId id="256" r:id="rId2"/>
     <p:sldId id="257" r:id="rId3"/>
     <p:sldId id="269" r:id="rId4"/>
-    <p:sldId id="266" r:id="rId5"/>
-    <p:sldId id="270" r:id="rId6"/>
-    <p:sldId id="267" r:id="rId7"/>
-    <p:sldId id="268" r:id="rId8"/>
-    <p:sldId id="272" r:id="rId9"/>
-    <p:sldId id="271" r:id="rId10"/>
-    <p:sldId id="273" r:id="rId11"/>
-    <p:sldId id="274" r:id="rId12"/>
-    <p:sldId id="265" r:id="rId13"/>
+    <p:sldId id="275" r:id="rId5"/>
+    <p:sldId id="266" r:id="rId6"/>
+    <p:sldId id="270" r:id="rId7"/>
+    <p:sldId id="267" r:id="rId8"/>
+    <p:sldId id="268" r:id="rId9"/>
+    <p:sldId id="272" r:id="rId10"/>
+    <p:sldId id="271" r:id="rId11"/>
+    <p:sldId id="273" r:id="rId12"/>
+    <p:sldId id="274" r:id="rId13"/>
+    <p:sldId id="265" r:id="rId14"/>
   </p:sldIdLst>
   <p:sldSz cx="9144000" cy="6858000" type="screen4x3"/>
   <p:notesSz cx="6858000" cy="9144000"/>
@@ -117,7 +118,7 @@
   </p:defaultTextStyle>
   <p:extLst>
     <p:ext uri="{EFAFB233-063F-42B5-8137-9DF3F51BA10A}">
-      <p15:sldGuideLst xmlns="" xmlns:p15="http://schemas.microsoft.com/office/powerpoint/2012/main">
+      <p15:sldGuideLst xmlns:p15="http://schemas.microsoft.com/office/powerpoint/2012/main" xmlns="">
         <p15:guide id="1" orient="horz" pos="2160">
           <p15:clr>
             <a:srgbClr val="A4A3A4"/>
@@ -244,7 +245,7 @@
           <a:p>
             <a:fld id="{0D5F8F7A-EA9B-45B0-BFD1-6C644FFD855C}" type="datetimeFigureOut">
               <a:rPr lang="en-PH" smtClean="0"/>
-              <a:t>07/02/2021</a:t>
+              <a:t>08/02/2021</a:t>
             </a:fld>
             <a:endParaRPr lang="en-PH"/>
           </a:p>
@@ -468,7 +469,7 @@
           <a:p>
             <a:fld id="{0D5F8F7A-EA9B-45B0-BFD1-6C644FFD855C}" type="datetimeFigureOut">
               <a:rPr lang="en-PH" smtClean="0"/>
-              <a:t>07/02/2021</a:t>
+              <a:t>08/02/2021</a:t>
             </a:fld>
             <a:endParaRPr lang="en-PH"/>
           </a:p>
@@ -642,7 +643,7 @@
           <a:p>
             <a:fld id="{0D5F8F7A-EA9B-45B0-BFD1-6C644FFD855C}" type="datetimeFigureOut">
               <a:rPr lang="en-PH" smtClean="0"/>
-              <a:t>07/02/2021</a:t>
+              <a:t>08/02/2021</a:t>
             </a:fld>
             <a:endParaRPr lang="en-PH"/>
           </a:p>
@@ -806,7 +807,7 @@
           <a:p>
             <a:fld id="{0D5F8F7A-EA9B-45B0-BFD1-6C644FFD855C}" type="datetimeFigureOut">
               <a:rPr lang="en-PH" smtClean="0"/>
-              <a:t>07/02/2021</a:t>
+              <a:t>08/02/2021</a:t>
             </a:fld>
             <a:endParaRPr lang="en-PH"/>
           </a:p>
@@ -1049,7 +1050,7 @@
           <a:p>
             <a:fld id="{0D5F8F7A-EA9B-45B0-BFD1-6C644FFD855C}" type="datetimeFigureOut">
               <a:rPr lang="en-PH" smtClean="0"/>
-              <a:t>07/02/2021</a:t>
+              <a:t>08/02/2021</a:t>
             </a:fld>
             <a:endParaRPr lang="en-PH"/>
           </a:p>
@@ -1312,7 +1313,7 @@
           <a:p>
             <a:fld id="{0D5F8F7A-EA9B-45B0-BFD1-6C644FFD855C}" type="datetimeFigureOut">
               <a:rPr lang="en-PH" smtClean="0"/>
-              <a:t>07/02/2021</a:t>
+              <a:t>08/02/2021</a:t>
             </a:fld>
             <a:endParaRPr lang="en-PH"/>
           </a:p>
@@ -1685,7 +1686,7 @@
           <a:p>
             <a:fld id="{0D5F8F7A-EA9B-45B0-BFD1-6C644FFD855C}" type="datetimeFigureOut">
               <a:rPr lang="en-PH" smtClean="0"/>
-              <a:t>07/02/2021</a:t>
+              <a:t>08/02/2021</a:t>
             </a:fld>
             <a:endParaRPr lang="en-PH"/>
           </a:p>
@@ -1797,7 +1798,7 @@
           <a:p>
             <a:fld id="{0D5F8F7A-EA9B-45B0-BFD1-6C644FFD855C}" type="datetimeFigureOut">
               <a:rPr lang="en-PH" smtClean="0"/>
-              <a:t>07/02/2021</a:t>
+              <a:t>08/02/2021</a:t>
             </a:fld>
             <a:endParaRPr lang="en-PH"/>
           </a:p>
@@ -1887,7 +1888,7 @@
           <a:p>
             <a:fld id="{0D5F8F7A-EA9B-45B0-BFD1-6C644FFD855C}" type="datetimeFigureOut">
               <a:rPr lang="en-PH" smtClean="0"/>
-              <a:t>07/02/2021</a:t>
+              <a:t>08/02/2021</a:t>
             </a:fld>
             <a:endParaRPr lang="en-PH"/>
           </a:p>
@@ -2144,7 +2145,7 @@
           <a:p>
             <a:fld id="{0D5F8F7A-EA9B-45B0-BFD1-6C644FFD855C}" type="datetimeFigureOut">
               <a:rPr lang="en-PH" smtClean="0"/>
-              <a:t>07/02/2021</a:t>
+              <a:t>08/02/2021</a:t>
             </a:fld>
             <a:endParaRPr lang="en-PH"/>
           </a:p>
@@ -2407,7 +2408,7 @@
           <a:p>
             <a:fld id="{0D5F8F7A-EA9B-45B0-BFD1-6C644FFD855C}" type="datetimeFigureOut">
               <a:rPr lang="en-PH" smtClean="0"/>
-              <a:t>07/02/2021</a:t>
+              <a:t>08/02/2021</a:t>
             </a:fld>
             <a:endParaRPr lang="en-PH"/>
           </a:p>
@@ -2622,7 +2623,7 @@
           <a:p>
             <a:fld id="{0D5F8F7A-EA9B-45B0-BFD1-6C644FFD855C}" type="datetimeFigureOut">
               <a:rPr lang="en-PH" smtClean="0"/>
-              <a:t>07/02/2021</a:t>
+              <a:t>08/02/2021</a:t>
             </a:fld>
             <a:endParaRPr lang="en-PH"/>
           </a:p>
@@ -3161,6 +3162,234 @@
             <p:ph type="title"/>
           </p:nvPr>
         </p:nvSpPr>
+        <p:spPr>
+          <a:xfrm>
+            <a:off x="457200" y="0"/>
+            <a:ext cx="8229600" cy="1143000"/>
+          </a:xfrm>
+        </p:spPr>
+        <p:txBody>
+          <a:bodyPr/>
+          <a:lstStyle/>
+          <a:p>
+            <a:endParaRPr lang="en-PH" dirty="0"/>
+          </a:p>
+        </p:txBody>
+      </p:sp>
+      <p:sp>
+        <p:nvSpPr>
+          <p:cNvPr id="3" name="Content Placeholder 2"/>
+          <p:cNvSpPr>
+            <a:spLocks noGrp="1"/>
+          </p:cNvSpPr>
+          <p:nvPr>
+            <p:ph idx="1"/>
+          </p:nvPr>
+        </p:nvSpPr>
+        <p:spPr>
+          <a:xfrm>
+            <a:off x="457200" y="4572000"/>
+            <a:ext cx="8229600" cy="1981200"/>
+          </a:xfrm>
+        </p:spPr>
+        <p:txBody>
+          <a:bodyPr>
+            <a:normAutofit fontScale="92500" lnSpcReduction="10000"/>
+          </a:bodyPr>
+          <a:lstStyle/>
+          <a:p>
+            <a:r>
+              <a:rPr lang="en-US" dirty="0" smtClean="0"/>
+              <a:t>If the stack top is “empty” word then it will throw  invalid, and if its symbol then current char input should be + or ? </a:t>
+            </a:r>
+            <a:r>
+              <a:rPr lang="en-US" dirty="0"/>
+              <a:t>o</a:t>
+            </a:r>
+            <a:r>
+              <a:rPr lang="en-US" dirty="0" smtClean="0"/>
+              <a:t>r *. Same goes for </a:t>
+            </a:r>
+            <a:r>
+              <a:rPr lang="en-US" dirty="0" err="1" smtClean="0"/>
+              <a:t>alphanum</a:t>
+            </a:r>
+            <a:r>
+              <a:rPr lang="en-US" dirty="0" smtClean="0"/>
+              <a:t>. Empty word represents no value in the LL parsing table for the given non terminal and terminal.</a:t>
+            </a:r>
+            <a:endParaRPr lang="en-PH" dirty="0"/>
+          </a:p>
+        </p:txBody>
+      </p:sp>
+      <p:pic>
+        <p:nvPicPr>
+          <p:cNvPr id="7170" name="Picture 2"/>
+          <p:cNvPicPr>
+            <a:picLocks noChangeAspect="1" noChangeArrowheads="1"/>
+          </p:cNvPicPr>
+          <p:nvPr/>
+        </p:nvPicPr>
+        <p:blipFill>
+          <a:blip r:embed="rId2">
+            <a:extLst>
+              <a:ext uri="{28A0092B-C50C-407E-A947-70E740481C1C}">
+                <a14:useLocalDpi xmlns:a14="http://schemas.microsoft.com/office/drawing/2010/main" val="0"/>
+              </a:ext>
+            </a:extLst>
+          </a:blip>
+          <a:srcRect/>
+          <a:stretch>
+            <a:fillRect/>
+          </a:stretch>
+        </p:blipFill>
+        <p:spPr bwMode="auto">
+          <a:xfrm>
+            <a:off x="3657600" y="3276600"/>
+            <a:ext cx="5372100" cy="1076325"/>
+          </a:xfrm>
+          <a:prstGeom prst="rect">
+            <a:avLst/>
+          </a:prstGeom>
+          <a:noFill/>
+          <a:ln>
+            <a:noFill/>
+          </a:ln>
+          <a:effectLst/>
+          <a:extLst>
+            <a:ext uri="{909E8E84-426E-40DD-AFC4-6F175D3DCCD1}">
+              <a14:hiddenFill xmlns:a14="http://schemas.microsoft.com/office/drawing/2010/main">
+                <a:solidFill>
+                  <a:schemeClr val="accent1"/>
+                </a:solidFill>
+              </a14:hiddenFill>
+            </a:ext>
+            <a:ext uri="{91240B29-F687-4F45-9708-019B960494DF}">
+              <a14:hiddenLine xmlns:a14="http://schemas.microsoft.com/office/drawing/2010/main" w="9525">
+                <a:solidFill>
+                  <a:schemeClr val="tx1"/>
+                </a:solidFill>
+                <a:miter lim="800000"/>
+                <a:headEnd/>
+                <a:tailEnd/>
+              </a14:hiddenLine>
+            </a:ext>
+            <a:ext uri="{AF507438-7753-43E0-B8FC-AC1667EBCBE1}">
+              <a14:hiddenEffects xmlns:a14="http://schemas.microsoft.com/office/drawing/2010/main">
+                <a:effectLst>
+                  <a:outerShdw dist="35921" dir="2700000" algn="ctr" rotWithShape="0">
+                    <a:schemeClr val="bg2"/>
+                  </a:outerShdw>
+                </a:effectLst>
+              </a14:hiddenEffects>
+            </a:ext>
+          </a:extLst>
+        </p:spPr>
+      </p:pic>
+      <p:pic>
+        <p:nvPicPr>
+          <p:cNvPr id="7171" name="Picture 3"/>
+          <p:cNvPicPr>
+            <a:picLocks noChangeAspect="1" noChangeArrowheads="1"/>
+          </p:cNvPicPr>
+          <p:nvPr/>
+        </p:nvPicPr>
+        <p:blipFill>
+          <a:blip r:embed="rId3">
+            <a:extLst>
+              <a:ext uri="{28A0092B-C50C-407E-A947-70E740481C1C}">
+                <a14:useLocalDpi xmlns:a14="http://schemas.microsoft.com/office/drawing/2010/main" val="0"/>
+              </a:ext>
+            </a:extLst>
+          </a:blip>
+          <a:srcRect/>
+          <a:stretch>
+            <a:fillRect/>
+          </a:stretch>
+        </p:blipFill>
+        <p:spPr bwMode="auto">
+          <a:xfrm>
+            <a:off x="304800" y="457200"/>
+            <a:ext cx="5600700" cy="2476500"/>
+          </a:xfrm>
+          <a:prstGeom prst="rect">
+            <a:avLst/>
+          </a:prstGeom>
+          <a:noFill/>
+          <a:ln>
+            <a:noFill/>
+          </a:ln>
+          <a:effectLst/>
+          <a:extLst>
+            <a:ext uri="{909E8E84-426E-40DD-AFC4-6F175D3DCCD1}">
+              <a14:hiddenFill xmlns:a14="http://schemas.microsoft.com/office/drawing/2010/main">
+                <a:solidFill>
+                  <a:schemeClr val="accent1"/>
+                </a:solidFill>
+              </a14:hiddenFill>
+            </a:ext>
+            <a:ext uri="{91240B29-F687-4F45-9708-019B960494DF}">
+              <a14:hiddenLine xmlns:a14="http://schemas.microsoft.com/office/drawing/2010/main" w="9525">
+                <a:solidFill>
+                  <a:schemeClr val="tx1"/>
+                </a:solidFill>
+                <a:miter lim="800000"/>
+                <a:headEnd/>
+                <a:tailEnd/>
+              </a14:hiddenLine>
+            </a:ext>
+            <a:ext uri="{AF507438-7753-43E0-B8FC-AC1667EBCBE1}">
+              <a14:hiddenEffects xmlns:a14="http://schemas.microsoft.com/office/drawing/2010/main">
+                <a:effectLst>
+                  <a:outerShdw dist="35921" dir="2700000" algn="ctr" rotWithShape="0">
+                    <a:schemeClr val="bg2"/>
+                  </a:outerShdw>
+                </a:effectLst>
+              </a14:hiddenEffects>
+            </a:ext>
+          </a:extLst>
+        </p:spPr>
+      </p:pic>
+    </p:spTree>
+    <p:extLst>
+      <p:ext uri="{BB962C8B-B14F-4D97-AF65-F5344CB8AC3E}">
+        <p14:creationId xmlns:p14="http://schemas.microsoft.com/office/powerpoint/2010/main" val="3866620831"/>
+      </p:ext>
+    </p:extLst>
+  </p:cSld>
+  <p:clrMapOvr>
+    <a:masterClrMapping/>
+  </p:clrMapOvr>
+</p:sld>
+</file>
+
+<file path=ppt/slides/slide11.xml><?xml version="1.0" encoding="utf-8"?>
+<p:sld xmlns:a="http://schemas.openxmlformats.org/drawingml/2006/main" xmlns:r="http://schemas.openxmlformats.org/officeDocument/2006/relationships" xmlns:p="http://schemas.openxmlformats.org/presentationml/2006/main">
+  <p:cSld>
+    <p:spTree>
+      <p:nvGrpSpPr>
+        <p:cNvPr id="1" name=""/>
+        <p:cNvGrpSpPr/>
+        <p:nvPr/>
+      </p:nvGrpSpPr>
+      <p:grpSpPr>
+        <a:xfrm>
+          <a:off x="0" y="0"/>
+          <a:ext cx="0" cy="0"/>
+          <a:chOff x="0" y="0"/>
+          <a:chExt cx="0" cy="0"/>
+        </a:xfrm>
+      </p:grpSpPr>
+      <p:sp>
+        <p:nvSpPr>
+          <p:cNvPr id="2" name="Title 1"/>
+          <p:cNvSpPr>
+            <a:spLocks noGrp="1"/>
+          </p:cNvSpPr>
+          <p:nvPr>
+            <p:ph type="title"/>
+          </p:nvPr>
+        </p:nvSpPr>
         <p:spPr/>
         <p:txBody>
           <a:bodyPr/>
@@ -3275,7 +3504,7 @@
 </p:sld>
 </file>
 
-<file path=ppt/slides/slide11.xml><?xml version="1.0" encoding="utf-8"?>
+<file path=ppt/slides/slide12.xml><?xml version="1.0" encoding="utf-8"?>
 <p:sld xmlns:a="http://schemas.openxmlformats.org/drawingml/2006/main" xmlns:r="http://schemas.openxmlformats.org/officeDocument/2006/relationships" xmlns:p="http://schemas.openxmlformats.org/presentationml/2006/main">
   <p:cSld>
     <p:spTree>
@@ -3416,7 +3645,7 @@
 </p:sld>
 </file>
 
-<file path=ppt/slides/slide12.xml><?xml version="1.0" encoding="utf-8"?>
+<file path=ppt/slides/slide13.xml><?xml version="1.0" encoding="utf-8"?>
 <p:sld xmlns:a="http://schemas.openxmlformats.org/drawingml/2006/main" xmlns:r="http://schemas.openxmlformats.org/officeDocument/2006/relationships" xmlns:p="http://schemas.openxmlformats.org/presentationml/2006/main">
   <p:cSld>
     <p:spTree>
@@ -3820,6 +4049,151 @@
           <a:p>
             <a:r>
               <a:rPr lang="en-US" dirty="0" smtClean="0"/>
+              <a:t>Maximal Munch</a:t>
+            </a:r>
+            <a:endParaRPr lang="en-PH" dirty="0"/>
+          </a:p>
+        </p:txBody>
+      </p:sp>
+      <p:sp>
+        <p:nvSpPr>
+          <p:cNvPr id="3" name="Content Placeholder 2"/>
+          <p:cNvSpPr>
+            <a:spLocks noGrp="1"/>
+          </p:cNvSpPr>
+          <p:nvPr>
+            <p:ph idx="1"/>
+          </p:nvPr>
+        </p:nvSpPr>
+        <p:spPr>
+          <a:xfrm>
+            <a:off x="457200" y="4495800"/>
+            <a:ext cx="8229600" cy="1813560"/>
+          </a:xfrm>
+        </p:spPr>
+        <p:txBody>
+          <a:bodyPr/>
+          <a:lstStyle/>
+          <a:p>
+            <a:r>
+              <a:rPr lang="en-US" dirty="0" smtClean="0"/>
+              <a:t>For the maximal munch, I just read per line of input then check until it reaches an error state or $ in the current input</a:t>
+            </a:r>
+            <a:endParaRPr lang="en-PH" dirty="0"/>
+          </a:p>
+        </p:txBody>
+      </p:sp>
+      <p:pic>
+        <p:nvPicPr>
+          <p:cNvPr id="1026" name="Picture 2"/>
+          <p:cNvPicPr>
+            <a:picLocks noChangeAspect="1" noChangeArrowheads="1"/>
+          </p:cNvPicPr>
+          <p:nvPr/>
+        </p:nvPicPr>
+        <p:blipFill>
+          <a:blip r:embed="rId2">
+            <a:extLst>
+              <a:ext uri="{28A0092B-C50C-407E-A947-70E740481C1C}">
+                <a14:useLocalDpi xmlns:a14="http://schemas.microsoft.com/office/drawing/2010/main" val="0"/>
+              </a:ext>
+            </a:extLst>
+          </a:blip>
+          <a:srcRect/>
+          <a:stretch>
+            <a:fillRect/>
+          </a:stretch>
+        </p:blipFill>
+        <p:spPr bwMode="auto">
+          <a:xfrm>
+            <a:off x="228600" y="1600199"/>
+            <a:ext cx="8610600" cy="1628775"/>
+          </a:xfrm>
+          <a:prstGeom prst="rect">
+            <a:avLst/>
+          </a:prstGeom>
+          <a:noFill/>
+          <a:ln>
+            <a:noFill/>
+          </a:ln>
+          <a:effectLst/>
+          <a:extLst>
+            <a:ext uri="{909E8E84-426E-40DD-AFC4-6F175D3DCCD1}">
+              <a14:hiddenFill xmlns:a14="http://schemas.microsoft.com/office/drawing/2010/main">
+                <a:solidFill>
+                  <a:schemeClr val="accent1"/>
+                </a:solidFill>
+              </a14:hiddenFill>
+            </a:ext>
+            <a:ext uri="{91240B29-F687-4F45-9708-019B960494DF}">
+              <a14:hiddenLine xmlns:a14="http://schemas.microsoft.com/office/drawing/2010/main" w="9525">
+                <a:solidFill>
+                  <a:schemeClr val="tx1"/>
+                </a:solidFill>
+                <a:miter lim="800000"/>
+                <a:headEnd/>
+                <a:tailEnd/>
+              </a14:hiddenLine>
+            </a:ext>
+            <a:ext uri="{AF507438-7753-43E0-B8FC-AC1667EBCBE1}">
+              <a14:hiddenEffects xmlns:a14="http://schemas.microsoft.com/office/drawing/2010/main">
+                <a:effectLst>
+                  <a:outerShdw dist="35921" dir="2700000" algn="ctr" rotWithShape="0">
+                    <a:schemeClr val="bg2"/>
+                  </a:outerShdw>
+                </a:effectLst>
+              </a14:hiddenEffects>
+            </a:ext>
+          </a:extLst>
+        </p:spPr>
+      </p:pic>
+    </p:spTree>
+    <p:extLst>
+      <p:ext uri="{BB962C8B-B14F-4D97-AF65-F5344CB8AC3E}">
+        <p14:creationId xmlns:p14="http://schemas.microsoft.com/office/powerpoint/2010/main" val="916060976"/>
+      </p:ext>
+    </p:extLst>
+  </p:cSld>
+  <p:clrMapOvr>
+    <a:masterClrMapping/>
+  </p:clrMapOvr>
+</p:sld>
+</file>
+
+<file path=ppt/slides/slide5.xml><?xml version="1.0" encoding="utf-8"?>
+<p:sld xmlns:a="http://schemas.openxmlformats.org/drawingml/2006/main" xmlns:r="http://schemas.openxmlformats.org/officeDocument/2006/relationships" xmlns:p="http://schemas.openxmlformats.org/presentationml/2006/main">
+  <p:cSld>
+    <p:spTree>
+      <p:nvGrpSpPr>
+        <p:cNvPr id="1" name=""/>
+        <p:cNvGrpSpPr/>
+        <p:nvPr/>
+      </p:nvGrpSpPr>
+      <p:grpSpPr>
+        <a:xfrm>
+          <a:off x="0" y="0"/>
+          <a:ext cx="0" cy="0"/>
+          <a:chOff x="0" y="0"/>
+          <a:chExt cx="0" cy="0"/>
+        </a:xfrm>
+      </p:grpSpPr>
+      <p:sp>
+        <p:nvSpPr>
+          <p:cNvPr id="2" name="Title 1"/>
+          <p:cNvSpPr>
+            <a:spLocks noGrp="1"/>
+          </p:cNvSpPr>
+          <p:nvPr>
+            <p:ph type="title"/>
+          </p:nvPr>
+        </p:nvSpPr>
+        <p:spPr/>
+        <p:txBody>
+          <a:bodyPr/>
+          <a:lstStyle/>
+          <a:p>
+            <a:r>
+              <a:rPr lang="en-US" dirty="0" smtClean="0"/>
               <a:t>Token Recognizer</a:t>
             </a:r>
             <a:endParaRPr lang="en-PH" dirty="0"/>
@@ -3939,7 +4313,7 @@
 </p:sld>
 </file>
 
-<file path=ppt/slides/slide5.xml><?xml version="1.0" encoding="utf-8"?>
+<file path=ppt/slides/slide6.xml><?xml version="1.0" encoding="utf-8"?>
 <p:sld xmlns:a="http://schemas.openxmlformats.org/drawingml/2006/main" xmlns:r="http://schemas.openxmlformats.org/officeDocument/2006/relationships" xmlns:p="http://schemas.openxmlformats.org/presentationml/2006/main">
   <p:cSld>
     <p:spTree>
@@ -4086,7 +4460,7 @@
 </p:sld>
 </file>
 
-<file path=ppt/slides/slide6.xml><?xml version="1.0" encoding="utf-8"?>
+<file path=ppt/slides/slide7.xml><?xml version="1.0" encoding="utf-8"?>
 <p:sld xmlns:a="http://schemas.openxmlformats.org/drawingml/2006/main" xmlns:r="http://schemas.openxmlformats.org/officeDocument/2006/relationships" xmlns:p="http://schemas.openxmlformats.org/presentationml/2006/main">
   <p:cSld>
     <p:spTree>
@@ -4249,7 +4623,7 @@
 </p:sld>
 </file>
 
-<file path=ppt/slides/slide7.xml><?xml version="1.0" encoding="utf-8"?>
+<file path=ppt/slides/slide8.xml><?xml version="1.0" encoding="utf-8"?>
 <p:sld xmlns:a="http://schemas.openxmlformats.org/drawingml/2006/main" xmlns:r="http://schemas.openxmlformats.org/officeDocument/2006/relationships" xmlns:p="http://schemas.openxmlformats.org/presentationml/2006/main">
   <p:cSld>
     <p:spTree>
@@ -4432,7 +4806,7 @@
 </p:sld>
 </file>
 
-<file path=ppt/slides/slide8.xml><?xml version="1.0" encoding="utf-8"?>
+<file path=ppt/slides/slide9.xml><?xml version="1.0" encoding="utf-8"?>
 <p:sld xmlns:a="http://schemas.openxmlformats.org/drawingml/2006/main" xmlns:r="http://schemas.openxmlformats.org/officeDocument/2006/relationships" xmlns:p="http://schemas.openxmlformats.org/presentationml/2006/main">
   <p:cSld>
     <p:spTree>
@@ -4568,234 +4942,6 @@
     <p:extLst>
       <p:ext uri="{BB962C8B-B14F-4D97-AF65-F5344CB8AC3E}">
         <p14:creationId xmlns:p14="http://schemas.microsoft.com/office/powerpoint/2010/main" val="2889456222"/>
-      </p:ext>
-    </p:extLst>
-  </p:cSld>
-  <p:clrMapOvr>
-    <a:masterClrMapping/>
-  </p:clrMapOvr>
-</p:sld>
-</file>
-
-<file path=ppt/slides/slide9.xml><?xml version="1.0" encoding="utf-8"?>
-<p:sld xmlns:a="http://schemas.openxmlformats.org/drawingml/2006/main" xmlns:r="http://schemas.openxmlformats.org/officeDocument/2006/relationships" xmlns:p="http://schemas.openxmlformats.org/presentationml/2006/main">
-  <p:cSld>
-    <p:spTree>
-      <p:nvGrpSpPr>
-        <p:cNvPr id="1" name=""/>
-        <p:cNvGrpSpPr/>
-        <p:nvPr/>
-      </p:nvGrpSpPr>
-      <p:grpSpPr>
-        <a:xfrm>
-          <a:off x="0" y="0"/>
-          <a:ext cx="0" cy="0"/>
-          <a:chOff x="0" y="0"/>
-          <a:chExt cx="0" cy="0"/>
-        </a:xfrm>
-      </p:grpSpPr>
-      <p:sp>
-        <p:nvSpPr>
-          <p:cNvPr id="2" name="Title 1"/>
-          <p:cNvSpPr>
-            <a:spLocks noGrp="1"/>
-          </p:cNvSpPr>
-          <p:nvPr>
-            <p:ph type="title"/>
-          </p:nvPr>
-        </p:nvSpPr>
-        <p:spPr>
-          <a:xfrm>
-            <a:off x="457200" y="0"/>
-            <a:ext cx="8229600" cy="1143000"/>
-          </a:xfrm>
-        </p:spPr>
-        <p:txBody>
-          <a:bodyPr/>
-          <a:lstStyle/>
-          <a:p>
-            <a:endParaRPr lang="en-PH" dirty="0"/>
-          </a:p>
-        </p:txBody>
-      </p:sp>
-      <p:sp>
-        <p:nvSpPr>
-          <p:cNvPr id="3" name="Content Placeholder 2"/>
-          <p:cNvSpPr>
-            <a:spLocks noGrp="1"/>
-          </p:cNvSpPr>
-          <p:nvPr>
-            <p:ph idx="1"/>
-          </p:nvPr>
-        </p:nvSpPr>
-        <p:spPr>
-          <a:xfrm>
-            <a:off x="457200" y="4572000"/>
-            <a:ext cx="8229600" cy="1981200"/>
-          </a:xfrm>
-        </p:spPr>
-        <p:txBody>
-          <a:bodyPr>
-            <a:normAutofit fontScale="92500" lnSpcReduction="10000"/>
-          </a:bodyPr>
-          <a:lstStyle/>
-          <a:p>
-            <a:r>
-              <a:rPr lang="en-US" dirty="0" smtClean="0"/>
-              <a:t>If the stack top is “empty” word then it will throw  invalid, and if its symbol then current char input should be + or ? </a:t>
-            </a:r>
-            <a:r>
-              <a:rPr lang="en-US" dirty="0"/>
-              <a:t>o</a:t>
-            </a:r>
-            <a:r>
-              <a:rPr lang="en-US" dirty="0" smtClean="0"/>
-              <a:t>r *. Same goes for </a:t>
-            </a:r>
-            <a:r>
-              <a:rPr lang="en-US" dirty="0" err="1" smtClean="0"/>
-              <a:t>alphanum</a:t>
-            </a:r>
-            <a:r>
-              <a:rPr lang="en-US" dirty="0" smtClean="0"/>
-              <a:t>. Empty word represents no value in the LL parsing table for the given non terminal and terminal.</a:t>
-            </a:r>
-            <a:endParaRPr lang="en-PH" dirty="0"/>
-          </a:p>
-        </p:txBody>
-      </p:sp>
-      <p:pic>
-        <p:nvPicPr>
-          <p:cNvPr id="7170" name="Picture 2"/>
-          <p:cNvPicPr>
-            <a:picLocks noChangeAspect="1" noChangeArrowheads="1"/>
-          </p:cNvPicPr>
-          <p:nvPr/>
-        </p:nvPicPr>
-        <p:blipFill>
-          <a:blip r:embed="rId2">
-            <a:extLst>
-              <a:ext uri="{28A0092B-C50C-407E-A947-70E740481C1C}">
-                <a14:useLocalDpi xmlns:a14="http://schemas.microsoft.com/office/drawing/2010/main" val="0"/>
-              </a:ext>
-            </a:extLst>
-          </a:blip>
-          <a:srcRect/>
-          <a:stretch>
-            <a:fillRect/>
-          </a:stretch>
-        </p:blipFill>
-        <p:spPr bwMode="auto">
-          <a:xfrm>
-            <a:off x="3657600" y="3276600"/>
-            <a:ext cx="5372100" cy="1076325"/>
-          </a:xfrm>
-          <a:prstGeom prst="rect">
-            <a:avLst/>
-          </a:prstGeom>
-          <a:noFill/>
-          <a:ln>
-            <a:noFill/>
-          </a:ln>
-          <a:effectLst/>
-          <a:extLst>
-            <a:ext uri="{909E8E84-426E-40DD-AFC4-6F175D3DCCD1}">
-              <a14:hiddenFill xmlns:a14="http://schemas.microsoft.com/office/drawing/2010/main">
-                <a:solidFill>
-                  <a:schemeClr val="accent1"/>
-                </a:solidFill>
-              </a14:hiddenFill>
-            </a:ext>
-            <a:ext uri="{91240B29-F687-4F45-9708-019B960494DF}">
-              <a14:hiddenLine xmlns:a14="http://schemas.microsoft.com/office/drawing/2010/main" w="9525">
-                <a:solidFill>
-                  <a:schemeClr val="tx1"/>
-                </a:solidFill>
-                <a:miter lim="800000"/>
-                <a:headEnd/>
-                <a:tailEnd/>
-              </a14:hiddenLine>
-            </a:ext>
-            <a:ext uri="{AF507438-7753-43E0-B8FC-AC1667EBCBE1}">
-              <a14:hiddenEffects xmlns:a14="http://schemas.microsoft.com/office/drawing/2010/main">
-                <a:effectLst>
-                  <a:outerShdw dist="35921" dir="2700000" algn="ctr" rotWithShape="0">
-                    <a:schemeClr val="bg2"/>
-                  </a:outerShdw>
-                </a:effectLst>
-              </a14:hiddenEffects>
-            </a:ext>
-          </a:extLst>
-        </p:spPr>
-      </p:pic>
-      <p:pic>
-        <p:nvPicPr>
-          <p:cNvPr id="7171" name="Picture 3"/>
-          <p:cNvPicPr>
-            <a:picLocks noChangeAspect="1" noChangeArrowheads="1"/>
-          </p:cNvPicPr>
-          <p:nvPr/>
-        </p:nvPicPr>
-        <p:blipFill>
-          <a:blip r:embed="rId3">
-            <a:extLst>
-              <a:ext uri="{28A0092B-C50C-407E-A947-70E740481C1C}">
-                <a14:useLocalDpi xmlns:a14="http://schemas.microsoft.com/office/drawing/2010/main" val="0"/>
-              </a:ext>
-            </a:extLst>
-          </a:blip>
-          <a:srcRect/>
-          <a:stretch>
-            <a:fillRect/>
-          </a:stretch>
-        </p:blipFill>
-        <p:spPr bwMode="auto">
-          <a:xfrm>
-            <a:off x="304800" y="457200"/>
-            <a:ext cx="5600700" cy="2476500"/>
-          </a:xfrm>
-          <a:prstGeom prst="rect">
-            <a:avLst/>
-          </a:prstGeom>
-          <a:noFill/>
-          <a:ln>
-            <a:noFill/>
-          </a:ln>
-          <a:effectLst/>
-          <a:extLst>
-            <a:ext uri="{909E8E84-426E-40DD-AFC4-6F175D3DCCD1}">
-              <a14:hiddenFill xmlns:a14="http://schemas.microsoft.com/office/drawing/2010/main">
-                <a:solidFill>
-                  <a:schemeClr val="accent1"/>
-                </a:solidFill>
-              </a14:hiddenFill>
-            </a:ext>
-            <a:ext uri="{91240B29-F687-4F45-9708-019B960494DF}">
-              <a14:hiddenLine xmlns:a14="http://schemas.microsoft.com/office/drawing/2010/main" w="9525">
-                <a:solidFill>
-                  <a:schemeClr val="tx1"/>
-                </a:solidFill>
-                <a:miter lim="800000"/>
-                <a:headEnd/>
-                <a:tailEnd/>
-              </a14:hiddenLine>
-            </a:ext>
-            <a:ext uri="{AF507438-7753-43E0-B8FC-AC1667EBCBE1}">
-              <a14:hiddenEffects xmlns:a14="http://schemas.microsoft.com/office/drawing/2010/main">
-                <a:effectLst>
-                  <a:outerShdw dist="35921" dir="2700000" algn="ctr" rotWithShape="0">
-                    <a:schemeClr val="bg2"/>
-                  </a:outerShdw>
-                </a:effectLst>
-              </a14:hiddenEffects>
-            </a:ext>
-          </a:extLst>
-        </p:spPr>
-      </p:pic>
-    </p:spTree>
-    <p:extLst>
-      <p:ext uri="{BB962C8B-B14F-4D97-AF65-F5344CB8AC3E}">
-        <p14:creationId xmlns:p14="http://schemas.microsoft.com/office/powerpoint/2010/main" val="3866620831"/>
       </p:ext>
     </p:extLst>
   </p:cSld>

--- a/powerpoint.pptx
+++ b/powerpoint.pptx
@@ -118,7 +118,7 @@
   </p:defaultTextStyle>
   <p:extLst>
     <p:ext uri="{EFAFB233-063F-42B5-8137-9DF3F51BA10A}">
-      <p15:sldGuideLst xmlns:p15="http://schemas.microsoft.com/office/powerpoint/2012/main" xmlns="">
+      <p15:sldGuideLst xmlns="" xmlns:p15="http://schemas.microsoft.com/office/powerpoint/2012/main">
         <p15:guide id="1" orient="horz" pos="2160">
           <p15:clr>
             <a:srgbClr val="A4A3A4"/>
@@ -245,7 +245,7 @@
           <a:p>
             <a:fld id="{0D5F8F7A-EA9B-45B0-BFD1-6C644FFD855C}" type="datetimeFigureOut">
               <a:rPr lang="en-PH" smtClean="0"/>
-              <a:t>08/02/2021</a:t>
+              <a:t>09/02/2021</a:t>
             </a:fld>
             <a:endParaRPr lang="en-PH"/>
           </a:p>
@@ -469,7 +469,7 @@
           <a:p>
             <a:fld id="{0D5F8F7A-EA9B-45B0-BFD1-6C644FFD855C}" type="datetimeFigureOut">
               <a:rPr lang="en-PH" smtClean="0"/>
-              <a:t>08/02/2021</a:t>
+              <a:t>09/02/2021</a:t>
             </a:fld>
             <a:endParaRPr lang="en-PH"/>
           </a:p>
@@ -643,7 +643,7 @@
           <a:p>
             <a:fld id="{0D5F8F7A-EA9B-45B0-BFD1-6C644FFD855C}" type="datetimeFigureOut">
               <a:rPr lang="en-PH" smtClean="0"/>
-              <a:t>08/02/2021</a:t>
+              <a:t>09/02/2021</a:t>
             </a:fld>
             <a:endParaRPr lang="en-PH"/>
           </a:p>
@@ -807,7 +807,7 @@
           <a:p>
             <a:fld id="{0D5F8F7A-EA9B-45B0-BFD1-6C644FFD855C}" type="datetimeFigureOut">
               <a:rPr lang="en-PH" smtClean="0"/>
-              <a:t>08/02/2021</a:t>
+              <a:t>09/02/2021</a:t>
             </a:fld>
             <a:endParaRPr lang="en-PH"/>
           </a:p>
@@ -1050,7 +1050,7 @@
           <a:p>
             <a:fld id="{0D5F8F7A-EA9B-45B0-BFD1-6C644FFD855C}" type="datetimeFigureOut">
               <a:rPr lang="en-PH" smtClean="0"/>
-              <a:t>08/02/2021</a:t>
+              <a:t>09/02/2021</a:t>
             </a:fld>
             <a:endParaRPr lang="en-PH"/>
           </a:p>
@@ -1313,7 +1313,7 @@
           <a:p>
             <a:fld id="{0D5F8F7A-EA9B-45B0-BFD1-6C644FFD855C}" type="datetimeFigureOut">
               <a:rPr lang="en-PH" smtClean="0"/>
-              <a:t>08/02/2021</a:t>
+              <a:t>09/02/2021</a:t>
             </a:fld>
             <a:endParaRPr lang="en-PH"/>
           </a:p>
@@ -1686,7 +1686,7 @@
           <a:p>
             <a:fld id="{0D5F8F7A-EA9B-45B0-BFD1-6C644FFD855C}" type="datetimeFigureOut">
               <a:rPr lang="en-PH" smtClean="0"/>
-              <a:t>08/02/2021</a:t>
+              <a:t>09/02/2021</a:t>
             </a:fld>
             <a:endParaRPr lang="en-PH"/>
           </a:p>
@@ -1798,7 +1798,7 @@
           <a:p>
             <a:fld id="{0D5F8F7A-EA9B-45B0-BFD1-6C644FFD855C}" type="datetimeFigureOut">
               <a:rPr lang="en-PH" smtClean="0"/>
-              <a:t>08/02/2021</a:t>
+              <a:t>09/02/2021</a:t>
             </a:fld>
             <a:endParaRPr lang="en-PH"/>
           </a:p>
@@ -1888,7 +1888,7 @@
           <a:p>
             <a:fld id="{0D5F8F7A-EA9B-45B0-BFD1-6C644FFD855C}" type="datetimeFigureOut">
               <a:rPr lang="en-PH" smtClean="0"/>
-              <a:t>08/02/2021</a:t>
+              <a:t>09/02/2021</a:t>
             </a:fld>
             <a:endParaRPr lang="en-PH"/>
           </a:p>
@@ -2145,7 +2145,7 @@
           <a:p>
             <a:fld id="{0D5F8F7A-EA9B-45B0-BFD1-6C644FFD855C}" type="datetimeFigureOut">
               <a:rPr lang="en-PH" smtClean="0"/>
-              <a:t>08/02/2021</a:t>
+              <a:t>09/02/2021</a:t>
             </a:fld>
             <a:endParaRPr lang="en-PH"/>
           </a:p>
@@ -2408,7 +2408,7 @@
           <a:p>
             <a:fld id="{0D5F8F7A-EA9B-45B0-BFD1-6C644FFD855C}" type="datetimeFigureOut">
               <a:rPr lang="en-PH" smtClean="0"/>
-              <a:t>08/02/2021</a:t>
+              <a:t>09/02/2021</a:t>
             </a:fld>
             <a:endParaRPr lang="en-PH"/>
           </a:p>
@@ -2623,7 +2623,7 @@
           <a:p>
             <a:fld id="{0D5F8F7A-EA9B-45B0-BFD1-6C644FFD855C}" type="datetimeFigureOut">
               <a:rPr lang="en-PH" smtClean="0"/>
-              <a:t>08/02/2021</a:t>
+              <a:t>09/02/2021</a:t>
             </a:fld>
             <a:endParaRPr lang="en-PH"/>
           </a:p>
@@ -4665,13 +4665,11 @@
       </p:sp>
       <p:pic>
         <p:nvPicPr>
-          <p:cNvPr id="1026" name="Picture 2"/>
+          <p:cNvPr id="1027" name="Picture 3"/>
           <p:cNvPicPr>
-            <a:picLocks noGrp="1" noChangeAspect="1" noChangeArrowheads="1"/>
+            <a:picLocks noChangeAspect="1" noChangeArrowheads="1"/>
           </p:cNvPicPr>
-          <p:nvPr>
-            <p:ph idx="1"/>
-          </p:nvPr>
+          <p:nvPr/>
         </p:nvPicPr>
         <p:blipFill>
           <a:blip r:embed="rId2">
@@ -4688,8 +4686,8 @@
         </p:blipFill>
         <p:spPr bwMode="auto">
           <a:xfrm>
-            <a:off x="228600" y="1828800"/>
-            <a:ext cx="4279441" cy="3505200"/>
+            <a:off x="4572000" y="2057400"/>
+            <a:ext cx="4418511" cy="3048000"/>
           </a:xfrm>
           <a:prstGeom prst="rect">
             <a:avLst/>
@@ -4731,11 +4729,13 @@
       </p:pic>
       <p:pic>
         <p:nvPicPr>
-          <p:cNvPr id="1027" name="Picture 3"/>
+          <p:cNvPr id="6" name="Picture 3"/>
           <p:cNvPicPr>
-            <a:picLocks noChangeAspect="1" noChangeArrowheads="1"/>
+            <a:picLocks noGrp="1" noChangeAspect="1" noChangeArrowheads="1"/>
           </p:cNvPicPr>
-          <p:nvPr/>
+          <p:nvPr>
+            <p:ph idx="1"/>
+          </p:nvPr>
         </p:nvPicPr>
         <p:blipFill>
           <a:blip r:embed="rId3">
@@ -4752,8 +4752,8 @@
         </p:blipFill>
         <p:spPr bwMode="auto">
           <a:xfrm>
-            <a:off x="4572000" y="2057400"/>
-            <a:ext cx="4418511" cy="3048000"/>
+            <a:off x="76200" y="1828800"/>
+            <a:ext cx="4381354" cy="3276600"/>
           </a:xfrm>
           <a:prstGeom prst="rect">
             <a:avLst/>
